--- a/BusinessLogic/Docs/EdaWorkshop_Sprint3.pptx
+++ b/BusinessLogic/Docs/EdaWorkshop_Sprint3.pptx
@@ -12,12 +12,13 @@
     <p:sldId id="313" r:id="rId6"/>
     <p:sldId id="314" r:id="rId7"/>
     <p:sldId id="316" r:id="rId8"/>
-    <p:sldId id="317" r:id="rId9"/>
-    <p:sldId id="318" r:id="rId10"/>
-    <p:sldId id="319" r:id="rId11"/>
-    <p:sldId id="311" r:id="rId12"/>
-    <p:sldId id="315" r:id="rId13"/>
-    <p:sldId id="312" r:id="rId14"/>
+    <p:sldId id="320" r:id="rId9"/>
+    <p:sldId id="317" r:id="rId10"/>
+    <p:sldId id="318" r:id="rId11"/>
+    <p:sldId id="319" r:id="rId12"/>
+    <p:sldId id="311" r:id="rId13"/>
+    <p:sldId id="315" r:id="rId14"/>
+    <p:sldId id="312" r:id="rId15"/>
   </p:sldIdLst>
   <p:sldSz cx="12192000" cy="6858000"/>
   <p:notesSz cx="6858000" cy="9144000"/>
@@ -255,7 +256,7 @@
           <a:p>
             <a:fld id="{0B5D536D-AE8C-4EAC-8CEB-B18A64A144B4}" type="datetimeFigureOut">
               <a:rPr lang="en-US" smtClean="0"/>
-              <a:t>9/28/2021</a:t>
+              <a:t>10/3/2021</a:t>
             </a:fld>
             <a:endParaRPr lang="en-US"/>
           </a:p>
@@ -425,7 +426,7 @@
           <a:p>
             <a:fld id="{0B5D536D-AE8C-4EAC-8CEB-B18A64A144B4}" type="datetimeFigureOut">
               <a:rPr lang="en-US" smtClean="0"/>
-              <a:t>9/28/2021</a:t>
+              <a:t>10/3/2021</a:t>
             </a:fld>
             <a:endParaRPr lang="en-US"/>
           </a:p>
@@ -605,7 +606,7 @@
           <a:p>
             <a:fld id="{0B5D536D-AE8C-4EAC-8CEB-B18A64A144B4}" type="datetimeFigureOut">
               <a:rPr lang="en-US" smtClean="0"/>
-              <a:t>9/28/2021</a:t>
+              <a:t>10/3/2021</a:t>
             </a:fld>
             <a:endParaRPr lang="en-US"/>
           </a:p>
@@ -775,7 +776,7 @@
           <a:p>
             <a:fld id="{0B5D536D-AE8C-4EAC-8CEB-B18A64A144B4}" type="datetimeFigureOut">
               <a:rPr lang="en-US" smtClean="0"/>
-              <a:t>9/28/2021</a:t>
+              <a:t>10/3/2021</a:t>
             </a:fld>
             <a:endParaRPr lang="en-US"/>
           </a:p>
@@ -1021,7 +1022,7 @@
           <a:p>
             <a:fld id="{0B5D536D-AE8C-4EAC-8CEB-B18A64A144B4}" type="datetimeFigureOut">
               <a:rPr lang="en-US" smtClean="0"/>
-              <a:t>9/28/2021</a:t>
+              <a:t>10/3/2021</a:t>
             </a:fld>
             <a:endParaRPr lang="en-US"/>
           </a:p>
@@ -1253,7 +1254,7 @@
           <a:p>
             <a:fld id="{0B5D536D-AE8C-4EAC-8CEB-B18A64A144B4}" type="datetimeFigureOut">
               <a:rPr lang="en-US" smtClean="0"/>
-              <a:t>9/28/2021</a:t>
+              <a:t>10/3/2021</a:t>
             </a:fld>
             <a:endParaRPr lang="en-US"/>
           </a:p>
@@ -1620,7 +1621,7 @@
           <a:p>
             <a:fld id="{0B5D536D-AE8C-4EAC-8CEB-B18A64A144B4}" type="datetimeFigureOut">
               <a:rPr lang="en-US" smtClean="0"/>
-              <a:t>9/28/2021</a:t>
+              <a:t>10/3/2021</a:t>
             </a:fld>
             <a:endParaRPr lang="en-US"/>
           </a:p>
@@ -1738,7 +1739,7 @@
           <a:p>
             <a:fld id="{0B5D536D-AE8C-4EAC-8CEB-B18A64A144B4}" type="datetimeFigureOut">
               <a:rPr lang="en-US" smtClean="0"/>
-              <a:t>9/28/2021</a:t>
+              <a:t>10/3/2021</a:t>
             </a:fld>
             <a:endParaRPr lang="en-US"/>
           </a:p>
@@ -1833,7 +1834,7 @@
           <a:p>
             <a:fld id="{0B5D536D-AE8C-4EAC-8CEB-B18A64A144B4}" type="datetimeFigureOut">
               <a:rPr lang="en-US" smtClean="0"/>
-              <a:t>9/28/2021</a:t>
+              <a:t>10/3/2021</a:t>
             </a:fld>
             <a:endParaRPr lang="en-US"/>
           </a:p>
@@ -2110,7 +2111,7 @@
           <a:p>
             <a:fld id="{0B5D536D-AE8C-4EAC-8CEB-B18A64A144B4}" type="datetimeFigureOut">
               <a:rPr lang="en-US" smtClean="0"/>
-              <a:t>9/28/2021</a:t>
+              <a:t>10/3/2021</a:t>
             </a:fld>
             <a:endParaRPr lang="en-US"/>
           </a:p>
@@ -2363,7 +2364,7 @@
           <a:p>
             <a:fld id="{0B5D536D-AE8C-4EAC-8CEB-B18A64A144B4}" type="datetimeFigureOut">
               <a:rPr lang="en-US" smtClean="0"/>
-              <a:t>9/28/2021</a:t>
+              <a:t>10/3/2021</a:t>
             </a:fld>
             <a:endParaRPr lang="en-US"/>
           </a:p>
@@ -2576,7 +2577,7 @@
           <a:p>
             <a:fld id="{0B5D536D-AE8C-4EAC-8CEB-B18A64A144B4}" type="datetimeFigureOut">
               <a:rPr lang="en-US" smtClean="0"/>
-              <a:t>9/28/2021</a:t>
+              <a:t>10/3/2021</a:t>
             </a:fld>
             <a:endParaRPr lang="en-US"/>
           </a:p>
@@ -3078,6 +3079,203 @@
           <a:p>
             <a:r>
               <a:rPr lang="en-US" dirty="0" smtClean="0"/>
+              <a:t>Task 3-2: Deploy UI Messaging Items</a:t>
+            </a:r>
+            <a:endParaRPr lang="en-US" dirty="0"/>
+          </a:p>
+        </p:txBody>
+      </p:sp>
+      <p:sp>
+        <p:nvSpPr>
+          <p:cNvPr id="3" name="Content Placeholder 2"/>
+          <p:cNvSpPr>
+            <a:spLocks noGrp="1"/>
+          </p:cNvSpPr>
+          <p:nvPr>
+            <p:ph idx="1"/>
+          </p:nvPr>
+        </p:nvSpPr>
+        <p:spPr/>
+        <p:txBody>
+          <a:bodyPr>
+            <a:normAutofit fontScale="92500" lnSpcReduction="20000"/>
+          </a:bodyPr>
+          <a:lstStyle/>
+          <a:p>
+            <a:r>
+              <a:rPr lang="en-US" dirty="0" err="1" smtClean="0"/>
+              <a:t>BusinessLogic</a:t>
+            </a:r>
+            <a:r>
+              <a:rPr lang="en-US" dirty="0" smtClean="0"/>
+              <a:t>\Snippets\</a:t>
+            </a:r>
+            <a:r>
+              <a:rPr lang="en-US" dirty="0" err="1" smtClean="0"/>
+              <a:t>ArmScripts</a:t>
+            </a:r>
+            <a:r>
+              <a:rPr lang="en-US" dirty="0" smtClean="0"/>
+              <a:t>\Sprint3_2_UIMessagingItems.json</a:t>
+            </a:r>
+            <a:endParaRPr lang="en-US" dirty="0"/>
+          </a:p>
+          <a:p>
+            <a:pPr lvl="1"/>
+            <a:r>
+              <a:rPr lang="en-US" b="1" i="1" dirty="0"/>
+              <a:t>Use the name of your Hub namespace</a:t>
+            </a:r>
+          </a:p>
+          <a:p>
+            <a:endParaRPr lang="en-US" dirty="0" smtClean="0"/>
+          </a:p>
+          <a:p>
+            <a:r>
+              <a:rPr lang="en-US" dirty="0" smtClean="0"/>
+              <a:t>Share Access Policies</a:t>
+            </a:r>
+          </a:p>
+          <a:p>
+            <a:pPr lvl="1"/>
+            <a:r>
+              <a:rPr lang="en-US" dirty="0" err="1" smtClean="0"/>
+              <a:t>getRequest</a:t>
+            </a:r>
+            <a:r>
+              <a:rPr lang="en-US" dirty="0" smtClean="0"/>
+              <a:t> sender</a:t>
+            </a:r>
+          </a:p>
+          <a:p>
+            <a:pPr lvl="1"/>
+            <a:r>
+              <a:rPr lang="en-US" dirty="0" err="1" smtClean="0"/>
+              <a:t>requestAssigned</a:t>
+            </a:r>
+            <a:r>
+              <a:rPr lang="en-US" dirty="0" smtClean="0"/>
+              <a:t> listener</a:t>
+            </a:r>
+          </a:p>
+          <a:p>
+            <a:pPr lvl="1"/>
+            <a:r>
+              <a:rPr lang="en-US" dirty="0" err="1" smtClean="0"/>
+              <a:t>decidedRequests</a:t>
+            </a:r>
+            <a:r>
+              <a:rPr lang="en-US" dirty="0" smtClean="0"/>
+              <a:t> sender</a:t>
+            </a:r>
+          </a:p>
+          <a:p>
+            <a:endParaRPr lang="en-US" dirty="0" smtClean="0"/>
+          </a:p>
+          <a:p>
+            <a:r>
+              <a:rPr lang="en-US" dirty="0" smtClean="0"/>
+              <a:t>Consumer Groups</a:t>
+            </a:r>
+          </a:p>
+          <a:p>
+            <a:pPr lvl="1"/>
+            <a:r>
+              <a:rPr lang="en-US" dirty="0" err="1" smtClean="0"/>
+              <a:t>requestAssigned</a:t>
+            </a:r>
+            <a:endParaRPr lang="en-US" dirty="0" smtClean="0"/>
+          </a:p>
+          <a:p>
+            <a:pPr lvl="1"/>
+            <a:endParaRPr lang="en-US" dirty="0"/>
+          </a:p>
+          <a:p>
+            <a:r>
+              <a:rPr lang="en-US" dirty="0" smtClean="0"/>
+              <a:t>There are other items in this script, but may not use</a:t>
+            </a:r>
+            <a:endParaRPr lang="en-US" dirty="0"/>
+          </a:p>
+        </p:txBody>
+      </p:sp>
+      <p:pic>
+        <p:nvPicPr>
+          <p:cNvPr id="4" name="Picture 3"/>
+          <p:cNvPicPr>
+            <a:picLocks noChangeAspect="1"/>
+          </p:cNvPicPr>
+          <p:nvPr/>
+        </p:nvPicPr>
+        <p:blipFill>
+          <a:blip r:embed="rId2" cstate="print">
+            <a:extLst>
+              <a:ext uri="{28A0092B-C50C-407E-A947-70E740481C1C}">
+                <a14:useLocalDpi xmlns:a14="http://schemas.microsoft.com/office/drawing/2010/main" val="0"/>
+              </a:ext>
+            </a:extLst>
+          </a:blip>
+          <a:stretch>
+            <a:fillRect/>
+          </a:stretch>
+        </p:blipFill>
+        <p:spPr>
+          <a:xfrm>
+            <a:off x="9135291" y="274630"/>
+            <a:ext cx="2455817" cy="1381224"/>
+          </a:xfrm>
+          <a:prstGeom prst="rect">
+            <a:avLst/>
+          </a:prstGeom>
+        </p:spPr>
+      </p:pic>
+    </p:spTree>
+    <p:extLst>
+      <p:ext uri="{BB962C8B-B14F-4D97-AF65-F5344CB8AC3E}">
+        <p14:creationId xmlns:p14="http://schemas.microsoft.com/office/powerpoint/2010/main" val="2855987682"/>
+      </p:ext>
+    </p:extLst>
+  </p:cSld>
+  <p:clrMapOvr>
+    <a:masterClrMapping/>
+  </p:clrMapOvr>
+</p:sld>
+</file>
+
+<file path=ppt/slides/slide11.xml><?xml version="1.0" encoding="utf-8"?>
+<p:sld xmlns:a="http://schemas.openxmlformats.org/drawingml/2006/main" xmlns:r="http://schemas.openxmlformats.org/officeDocument/2006/relationships" xmlns:p="http://schemas.openxmlformats.org/presentationml/2006/main">
+  <p:cSld>
+    <p:spTree>
+      <p:nvGrpSpPr>
+        <p:cNvPr id="1" name=""/>
+        <p:cNvGrpSpPr/>
+        <p:nvPr/>
+      </p:nvGrpSpPr>
+      <p:grpSpPr>
+        <a:xfrm>
+          <a:off x="0" y="0"/>
+          <a:ext cx="0" cy="0"/>
+          <a:chOff x="0" y="0"/>
+          <a:chExt cx="0" cy="0"/>
+        </a:xfrm>
+      </p:grpSpPr>
+      <p:sp>
+        <p:nvSpPr>
+          <p:cNvPr id="2" name="Title 1"/>
+          <p:cNvSpPr>
+            <a:spLocks noGrp="1"/>
+          </p:cNvSpPr>
+          <p:nvPr>
+            <p:ph type="title"/>
+          </p:nvPr>
+        </p:nvSpPr>
+        <p:spPr/>
+        <p:txBody>
+          <a:bodyPr/>
+          <a:lstStyle/>
+          <a:p>
+            <a:r>
+              <a:rPr lang="en-US" dirty="0" smtClean="0"/>
               <a:t>Task 3-3: Deploy Hub Offset Storage</a:t>
             </a:r>
             <a:endParaRPr lang="en-US" dirty="0"/>
@@ -3102,8 +3300,12 @@
           <a:lstStyle/>
           <a:p>
             <a:r>
-              <a:rPr lang="en-US" dirty="0" smtClean="0"/>
-              <a:t>ARM template: </a:t>
+              <a:rPr lang="en-US" dirty="0" err="1" smtClean="0"/>
+              <a:t>BusinessLogic</a:t>
+            </a:r>
+            <a:r>
+              <a:rPr lang="en-US" dirty="0" smtClean="0"/>
+              <a:t>\Snippets\</a:t>
             </a:r>
             <a:r>
               <a:rPr lang="en-US" dirty="0" err="1" smtClean="0"/>
@@ -3111,13 +3313,13 @@
             </a:r>
             <a:r>
               <a:rPr lang="en-US" dirty="0" smtClean="0"/>
-              <a:t>\Sprint3_StorageItems.json</a:t>
+              <a:t>\Sprint3_3_StorageItems.json</a:t>
             </a:r>
           </a:p>
           <a:p>
             <a:pPr lvl="1"/>
             <a:r>
-              <a:rPr lang="en-US" dirty="0" smtClean="0"/>
+              <a:rPr lang="en-US" b="1" i="1" dirty="0" smtClean="0"/>
               <a:t>Set “Storage Account Name” to your unique name</a:t>
             </a:r>
           </a:p>
@@ -3547,7 +3749,7 @@
 </p:sld>
 </file>
 
-<file path=ppt/slides/slide11.xml><?xml version="1.0" encoding="utf-8"?>
+<file path=ppt/slides/slide12.xml><?xml version="1.0" encoding="utf-8"?>
 <p:sld xmlns:a="http://schemas.openxmlformats.org/drawingml/2006/main" xmlns:r="http://schemas.openxmlformats.org/officeDocument/2006/relationships" xmlns:p="http://schemas.openxmlformats.org/presentationml/2006/main">
   <p:cSld>
     <p:spTree>
@@ -3604,7 +3806,7 @@
         <p:spPr/>
         <p:txBody>
           <a:bodyPr>
-            <a:normAutofit/>
+            <a:normAutofit lnSpcReduction="10000"/>
           </a:bodyPr>
           <a:lstStyle/>
           <a:p>
@@ -3612,6 +3814,30 @@
               <a:rPr lang="en-US" dirty="0" smtClean="0"/>
               <a:t>Update connection strings in the service</a:t>
             </a:r>
+          </a:p>
+          <a:p>
+            <a:pPr lvl="1"/>
+            <a:r>
+              <a:rPr lang="en-US" dirty="0" smtClean="0"/>
+              <a:t>Top of </a:t>
+            </a:r>
+            <a:r>
+              <a:rPr lang="en-US" dirty="0" err="1" smtClean="0"/>
+              <a:t>RoutingService</a:t>
+            </a:r>
+            <a:r>
+              <a:rPr lang="en-US" dirty="0" smtClean="0"/>
+              <a:t>\</a:t>
+            </a:r>
+            <a:r>
+              <a:rPr lang="en-US" dirty="0" err="1"/>
+              <a:t>P</a:t>
+            </a:r>
+            <a:r>
+              <a:rPr lang="en-US" dirty="0" err="1" smtClean="0"/>
+              <a:t>rogram.cs</a:t>
+            </a:r>
+            <a:endParaRPr lang="en-US" dirty="0" smtClean="0"/>
           </a:p>
           <a:p>
             <a:pPr lvl="1"/>
@@ -3620,22 +3846,132 @@
           <a:p>
             <a:r>
               <a:rPr lang="en-US" dirty="0" smtClean="0"/>
-              <a:t>Publish Routing Service</a:t>
+              <a:t>Publish Routing Service from Visual Studio</a:t>
             </a:r>
           </a:p>
           <a:p>
             <a:pPr lvl="1"/>
             <a:r>
-              <a:rPr lang="en-US" dirty="0" smtClean="0"/>
-              <a:t>We’ll use a </a:t>
+              <a:rPr lang="en-US" b="1" dirty="0" smtClean="0"/>
+              <a:t>Target</a:t>
+            </a:r>
+            <a:r>
+              <a:rPr lang="en-US" dirty="0" smtClean="0"/>
+              <a:t>: Azure -&gt; </a:t>
+            </a:r>
+            <a:r>
+              <a:rPr lang="en-US" dirty="0" err="1" smtClean="0"/>
+              <a:t>WebJobs</a:t>
+            </a:r>
+            <a:endParaRPr lang="en-US" dirty="0" smtClean="0"/>
+          </a:p>
+          <a:p>
+            <a:pPr lvl="1"/>
+            <a:r>
+              <a:rPr lang="en-US" dirty="0" smtClean="0"/>
+              <a:t>Use </a:t>
+            </a:r>
+            <a:r>
+              <a:rPr lang="en-US" b="1" dirty="0" smtClean="0"/>
+              <a:t>+</a:t>
+            </a:r>
+            <a:r>
+              <a:rPr lang="en-US" dirty="0" smtClean="0"/>
+              <a:t> to create new App Service</a:t>
+            </a:r>
+          </a:p>
+          <a:p>
+            <a:pPr lvl="2"/>
+            <a:r>
+              <a:rPr lang="en-US" b="1" dirty="0" smtClean="0"/>
+              <a:t>Name</a:t>
+            </a:r>
+            <a:r>
+              <a:rPr lang="en-US" dirty="0" smtClean="0"/>
+              <a:t> must be globally unique</a:t>
+            </a:r>
+          </a:p>
+          <a:p>
+            <a:pPr lvl="2"/>
+            <a:r>
+              <a:rPr lang="en-US" dirty="0" smtClean="0"/>
+              <a:t>Use same </a:t>
+            </a:r>
+            <a:r>
+              <a:rPr lang="en-US" b="1" dirty="0" smtClean="0"/>
+              <a:t>Resource group</a:t>
+            </a:r>
+            <a:r>
+              <a:rPr lang="en-US" dirty="0" smtClean="0"/>
+              <a:t> you’ve been using</a:t>
+            </a:r>
+          </a:p>
+          <a:p>
+            <a:pPr lvl="2"/>
+            <a:r>
+              <a:rPr lang="en-US" dirty="0" smtClean="0"/>
+              <a:t>Create new </a:t>
+            </a:r>
+            <a:r>
+              <a:rPr lang="en-US" b="1" dirty="0" smtClean="0"/>
+              <a:t>Hosting Plan</a:t>
+            </a:r>
+          </a:p>
+          <a:p>
+            <a:pPr lvl="3"/>
+            <a:r>
+              <a:rPr lang="en-US" b="1" dirty="0" smtClean="0"/>
+              <a:t>Name</a:t>
+            </a:r>
+            <a:r>
+              <a:rPr lang="en-US" dirty="0" smtClean="0"/>
+              <a:t> must be globally unique</a:t>
+            </a:r>
+          </a:p>
+          <a:p>
+            <a:pPr lvl="3"/>
+            <a:r>
+              <a:rPr lang="en-US" b="1" dirty="0" smtClean="0"/>
+              <a:t>Size</a:t>
+            </a:r>
+            <a:r>
+              <a:rPr lang="en-US" dirty="0" smtClean="0"/>
+              <a:t>: </a:t>
             </a:r>
             <a:r>
               <a:rPr lang="en-US" i="1" dirty="0" smtClean="0"/>
-              <a:t>shared</a:t>
-            </a:r>
-            <a:r>
-              <a:rPr lang="en-US" dirty="0" smtClean="0"/>
-              <a:t> App Service Plan to save a few pennies since we’re not using additional features in this workshop</a:t>
+              <a:t>Shared</a:t>
+            </a:r>
+            <a:r>
+              <a:rPr lang="en-US" dirty="0" smtClean="0"/>
+              <a:t> to save money on features we don’t need for the workshop</a:t>
+            </a:r>
+          </a:p>
+          <a:p>
+            <a:pPr lvl="1"/>
+            <a:r>
+              <a:rPr lang="en-US" dirty="0" smtClean="0"/>
+              <a:t>Must select </a:t>
+            </a:r>
+            <a:r>
+              <a:rPr lang="en-US" b="1" dirty="0" err="1" smtClean="0"/>
+              <a:t>WebJob</a:t>
+            </a:r>
+            <a:r>
+              <a:rPr lang="en-US" b="1" dirty="0" smtClean="0"/>
+              <a:t> Type </a:t>
+            </a:r>
+            <a:r>
+              <a:rPr lang="en-US" dirty="0" smtClean="0"/>
+              <a:t>= </a:t>
+            </a:r>
+            <a:r>
+              <a:rPr lang="en-US" b="1" i="1" dirty="0" smtClean="0"/>
+              <a:t>Continuous</a:t>
+            </a:r>
+            <a:r>
+              <a:rPr lang="en-US" dirty="0" smtClean="0"/>
+              <a:t> on publish summary page</a:t>
             </a:r>
           </a:p>
         </p:txBody>
@@ -3683,7 +4019,7 @@
 </p:sld>
 </file>
 
-<file path=ppt/slides/slide12.xml><?xml version="1.0" encoding="utf-8"?>
+<file path=ppt/slides/slide13.xml><?xml version="1.0" encoding="utf-8"?>
 <p:sld xmlns:a="http://schemas.openxmlformats.org/drawingml/2006/main" xmlns:r="http://schemas.openxmlformats.org/officeDocument/2006/relationships" xmlns:p="http://schemas.openxmlformats.org/presentationml/2006/main">
   <p:cSld>
     <p:spTree>
@@ -3746,7 +4082,19 @@
           <a:p>
             <a:r>
               <a:rPr lang="en-US" dirty="0" smtClean="0"/>
-              <a:t>Provided but need to deploy</a:t>
+              <a:t>Update connection strings in UI\</a:t>
+            </a:r>
+            <a:r>
+              <a:rPr lang="en-US" dirty="0" err="1" smtClean="0"/>
+              <a:t>Variables.cs</a:t>
+            </a:r>
+            <a:endParaRPr lang="en-US" dirty="0" smtClean="0"/>
+          </a:p>
+          <a:p>
+            <a:pPr lvl="1"/>
+            <a:r>
+              <a:rPr lang="en-US" dirty="0" smtClean="0"/>
+              <a:t>Double check other variables are correct too</a:t>
             </a:r>
           </a:p>
           <a:p>
@@ -3755,7 +4103,7 @@
           <a:p>
             <a:r>
               <a:rPr lang="en-US" dirty="0" smtClean="0"/>
-              <a:t>Add SAS keys???and deploy???</a:t>
+              <a:t>Just run locally without deploying</a:t>
             </a:r>
           </a:p>
           <a:p>
@@ -3807,7 +4155,7 @@
 </p:sld>
 </file>
 
-<file path=ppt/slides/slide13.xml><?xml version="1.0" encoding="utf-8"?>
+<file path=ppt/slides/slide14.xml><?xml version="1.0" encoding="utf-8"?>
 <p:sld xmlns:a="http://schemas.openxmlformats.org/drawingml/2006/main" xmlns:r="http://schemas.openxmlformats.org/officeDocument/2006/relationships" xmlns:p="http://schemas.openxmlformats.org/presentationml/2006/main">
   <p:cSld>
     <p:spTree>
@@ -3859,7 +4207,9 @@
         </p:nvSpPr>
         <p:spPr/>
         <p:txBody>
-          <a:bodyPr/>
+          <a:bodyPr>
+            <a:normAutofit/>
+          </a:bodyPr>
           <a:lstStyle/>
           <a:p>
             <a:r>
@@ -3873,7 +4223,7 @@
           <a:p>
             <a:r>
               <a:rPr lang="en-US" dirty="0" smtClean="0"/>
-              <a:t>ARM templates can be used to create Azure resources</a:t>
+              <a:t>ARM Templates can be used to create Azure resources</a:t>
             </a:r>
           </a:p>
           <a:p>
@@ -3891,9 +4241,13 @@
           <a:p>
             <a:r>
               <a:rPr lang="en-US" dirty="0" smtClean="0"/>
-              <a:t>Event Hubs can be used with a variety of technologies</a:t>
-            </a:r>
-            <a:endParaRPr lang="en-US" dirty="0"/>
+              <a:t>Event Hubs can be used with a variety of </a:t>
+            </a:r>
+            <a:r>
+              <a:rPr lang="en-US" dirty="0" smtClean="0"/>
+              <a:t>technologies</a:t>
+            </a:r>
+            <a:endParaRPr lang="en-US" dirty="0" smtClean="0"/>
           </a:p>
         </p:txBody>
       </p:sp>
@@ -4199,13 +4553,8 @@
             </a:pPr>
             <a:r>
               <a:rPr lang="en-US" dirty="0" smtClean="0"/>
-              <a:t>As a TAH physician, I need to be able to view undecided requests for service so that I can decide if they should be approved or </a:t>
-            </a:r>
-            <a:r>
-              <a:rPr lang="en-US" dirty="0" smtClean="0"/>
-              <a:t>deny.</a:t>
-            </a:r>
-            <a:endParaRPr lang="en-US" dirty="0" smtClean="0"/>
+              <a:t>As a TAH physician, I need to be able to view undecided requests for service so that I can decide if they should be approved or denied.</a:t>
+            </a:r>
           </a:p>
           <a:p>
             <a:pPr marL="0" indent="0">
@@ -4261,15 +4610,7 @@
             </a:pPr>
             <a:r>
               <a:rPr lang="en-US" dirty="0" smtClean="0"/>
-              <a:t>Ability to approve or </a:t>
-            </a:r>
-            <a:r>
-              <a:rPr lang="en-US" dirty="0" smtClean="0"/>
-              <a:t>deny </a:t>
-            </a:r>
-            <a:r>
-              <a:rPr lang="en-US" dirty="0" smtClean="0"/>
-              <a:t>a request I’m viewing</a:t>
+              <a:t>Ability to approve or deny a request I’m viewing</a:t>
             </a:r>
           </a:p>
         </p:txBody>
@@ -5379,7 +5720,7 @@
             </a:pPr>
             <a:r>
               <a:rPr lang="en-US" sz="1400" dirty="0" smtClean="0"/>
-              <a:t>Routing Service finds an undecided request, assigns it to the user, and sends an event of the assignment</a:t>
+              <a:t>Routing Service finds an undecided request, assigns it to the user, and sends an event for the assignment</a:t>
             </a:r>
           </a:p>
           <a:p>
@@ -6178,7 +6519,7 @@
           <a:p>
             <a:r>
               <a:rPr lang="en-US" dirty="0" smtClean="0"/>
-              <a:t>Could use almost any web technology since there is a JavaScript Event Hub Client SDK</a:t>
+              <a:t>Could use almost any web technology since there is a JavaScript Azure Event Hub Client SDK</a:t>
             </a:r>
           </a:p>
           <a:p>
@@ -6195,11 +6536,7 @@
             </a:r>
             <a:r>
               <a:rPr lang="en-US" dirty="0" smtClean="0"/>
-              <a:t> to consolidate technologies for the </a:t>
-            </a:r>
-            <a:r>
-              <a:rPr lang="en-US" dirty="0" smtClean="0"/>
-              <a:t>workshop</a:t>
+              <a:t> to consolidate technologies for the workshop</a:t>
             </a:r>
           </a:p>
           <a:p>
@@ -6257,7 +6594,7 @@
           <a:p>
             <a:r>
               <a:rPr lang="en-US" dirty="0" smtClean="0"/>
-              <a:t>Approach</a:t>
+              <a:t>Development Approach</a:t>
             </a:r>
             <a:endParaRPr lang="en-US" dirty="0"/>
           </a:p>
@@ -6276,13 +6613,13 @@
         <p:spPr/>
         <p:txBody>
           <a:bodyPr>
-            <a:normAutofit fontScale="92500"/>
+            <a:normAutofit/>
           </a:bodyPr>
           <a:lstStyle/>
           <a:p>
             <a:r>
               <a:rPr lang="en-US" dirty="0" smtClean="0"/>
-              <a:t>Routing Service provided and almost ready to deploy</a:t>
+              <a:t>Routing Service already developed and almost ready to deploy</a:t>
             </a:r>
           </a:p>
           <a:p>
@@ -6303,25 +6640,7 @@
             </a:r>
             <a:r>
               <a:rPr lang="en-US" dirty="0" smtClean="0"/>
-              <a:t>se </a:t>
-            </a:r>
-            <a:r>
-              <a:rPr lang="en-US" dirty="0" smtClean="0"/>
-              <a:t>Azure Resource Manager (ARM) scripts to generate the new event hubs, shared access policies, and BLOB containers for hub offsets</a:t>
-            </a:r>
-          </a:p>
-          <a:p>
-            <a:pPr lvl="1"/>
-            <a:endParaRPr lang="en-US" dirty="0"/>
-          </a:p>
-          <a:p>
-            <a:r>
-              <a:rPr lang="en-US" dirty="0" smtClean="0"/>
-              <a:t>Event Hub consumer code </a:t>
-            </a:r>
-            <a:r>
-              <a:rPr lang="en-US" dirty="0"/>
-              <a:t>slightly different than Function with Event Hub trigger</a:t>
+              <a:t>se Azure Resource Manager (ARM) templates to generate the new event hubs, shared access policies, and BLOB containers for hub offsets</a:t>
             </a:r>
           </a:p>
           <a:p>
@@ -6381,6 +6700,148 @@
         </p:nvSpPr>
         <p:spPr/>
         <p:txBody>
+          <a:bodyPr/>
+          <a:lstStyle/>
+          <a:p>
+            <a:r>
+              <a:rPr lang="en-US" dirty="0" smtClean="0"/>
+              <a:t>Azure Resource Manager (ARM)</a:t>
+            </a:r>
+            <a:endParaRPr lang="en-US" dirty="0"/>
+          </a:p>
+        </p:txBody>
+      </p:sp>
+      <p:sp>
+        <p:nvSpPr>
+          <p:cNvPr id="3" name="Content Placeholder 2"/>
+          <p:cNvSpPr>
+            <a:spLocks noGrp="1"/>
+          </p:cNvSpPr>
+          <p:nvPr>
+            <p:ph idx="1"/>
+          </p:nvPr>
+        </p:nvSpPr>
+        <p:spPr/>
+        <p:txBody>
+          <a:bodyPr/>
+          <a:lstStyle/>
+          <a:p>
+            <a:r>
+              <a:rPr lang="en-US" dirty="0" smtClean="0"/>
+              <a:t>Management layer that enables creating, updating, and deleting Azure resources</a:t>
+            </a:r>
+          </a:p>
+          <a:p>
+            <a:endParaRPr lang="en-US" dirty="0"/>
+          </a:p>
+          <a:p>
+            <a:r>
+              <a:rPr lang="en-US" dirty="0" smtClean="0"/>
+              <a:t>We’ve been using directly via the Portal</a:t>
+            </a:r>
+          </a:p>
+          <a:p>
+            <a:endParaRPr lang="en-US" dirty="0"/>
+          </a:p>
+          <a:p>
+            <a:r>
+              <a:rPr lang="en-US" dirty="0" smtClean="0"/>
+              <a:t>Now we’re going to use ARM </a:t>
+            </a:r>
+          </a:p>
+          <a:p>
+            <a:pPr marL="0" indent="0">
+              <a:buNone/>
+            </a:pPr>
+            <a:r>
+              <a:rPr lang="en-US" dirty="0" smtClean="0"/>
+              <a:t>Templates to create new resources</a:t>
+            </a:r>
+          </a:p>
+          <a:p>
+            <a:pPr lvl="1"/>
+            <a:r>
+              <a:rPr lang="en-US" dirty="0" smtClean="0"/>
+              <a:t>Infrastructure as Code (</a:t>
+            </a:r>
+            <a:r>
+              <a:rPr lang="en-US" dirty="0" err="1" smtClean="0"/>
+              <a:t>IaC</a:t>
+            </a:r>
+            <a:r>
+              <a:rPr lang="en-US" dirty="0" smtClean="0"/>
+              <a:t>)</a:t>
+            </a:r>
+            <a:endParaRPr lang="en-US" dirty="0"/>
+          </a:p>
+        </p:txBody>
+      </p:sp>
+      <p:pic>
+        <p:nvPicPr>
+          <p:cNvPr id="5" name="Picture 4"/>
+          <p:cNvPicPr>
+            <a:picLocks noChangeAspect="1"/>
+          </p:cNvPicPr>
+          <p:nvPr/>
+        </p:nvPicPr>
+        <p:blipFill>
+          <a:blip r:embed="rId2"/>
+          <a:stretch>
+            <a:fillRect/>
+          </a:stretch>
+        </p:blipFill>
+        <p:spPr>
+          <a:xfrm>
+            <a:off x="6648450" y="3612162"/>
+            <a:ext cx="4705350" cy="2564801"/>
+          </a:xfrm>
+          <a:prstGeom prst="rect">
+            <a:avLst/>
+          </a:prstGeom>
+        </p:spPr>
+      </p:pic>
+    </p:spTree>
+    <p:extLst>
+      <p:ext uri="{BB962C8B-B14F-4D97-AF65-F5344CB8AC3E}">
+        <p14:creationId xmlns:p14="http://schemas.microsoft.com/office/powerpoint/2010/main" val="2816740387"/>
+      </p:ext>
+    </p:extLst>
+  </p:cSld>
+  <p:clrMapOvr>
+    <a:masterClrMapping/>
+  </p:clrMapOvr>
+</p:sld>
+</file>
+
+<file path=ppt/slides/slide9.xml><?xml version="1.0" encoding="utf-8"?>
+<p:sld xmlns:a="http://schemas.openxmlformats.org/drawingml/2006/main" xmlns:r="http://schemas.openxmlformats.org/officeDocument/2006/relationships" xmlns:p="http://schemas.openxmlformats.org/presentationml/2006/main">
+  <p:cSld>
+    <p:spTree>
+      <p:nvGrpSpPr>
+        <p:cNvPr id="1" name=""/>
+        <p:cNvGrpSpPr/>
+        <p:nvPr/>
+      </p:nvGrpSpPr>
+      <p:grpSpPr>
+        <a:xfrm>
+          <a:off x="0" y="0"/>
+          <a:ext cx="0" cy="0"/>
+          <a:chOff x="0" y="0"/>
+          <a:chExt cx="0" cy="0"/>
+        </a:xfrm>
+      </p:grpSpPr>
+      <p:sp>
+        <p:nvSpPr>
+          <p:cNvPr id="2" name="Title 1"/>
+          <p:cNvSpPr>
+            <a:spLocks noGrp="1"/>
+          </p:cNvSpPr>
+          <p:nvPr>
+            <p:ph type="title"/>
+          </p:nvPr>
+        </p:nvSpPr>
+        <p:spPr/>
+        <p:txBody>
           <a:bodyPr>
             <a:normAutofit/>
           </a:bodyPr>
@@ -6419,25 +6880,29 @@
           <a:lstStyle/>
           <a:p>
             <a:r>
-              <a:rPr lang="en-US" dirty="0"/>
-              <a:t>ARM template: </a:t>
-            </a:r>
-            <a:r>
-              <a:rPr lang="en-US" dirty="0" err="1"/>
+              <a:rPr lang="en-US" dirty="0" err="1" smtClean="0"/>
+              <a:t>BusinessLogic</a:t>
+            </a:r>
+            <a:r>
+              <a:rPr lang="en-US" dirty="0" smtClean="0"/>
+              <a:t>\Snippets\</a:t>
+            </a:r>
+            <a:r>
+              <a:rPr lang="en-US" dirty="0" err="1" smtClean="0"/>
               <a:t>ArmScripts</a:t>
             </a:r>
             <a:r>
-              <a:rPr lang="en-US" dirty="0"/>
-              <a:t>\Sprint3_RoutingServiceMessagingItems.json</a:t>
-            </a:r>
+              <a:rPr lang="en-US" dirty="0" smtClean="0"/>
+              <a:t>\Sprint3_1_RoutingServiceMessagingItems.json</a:t>
+            </a:r>
+            <a:endParaRPr lang="en-US" dirty="0"/>
           </a:p>
           <a:p>
             <a:pPr lvl="1"/>
             <a:r>
-              <a:rPr lang="en-US" dirty="0" smtClean="0"/>
+              <a:rPr lang="en-US" b="1" i="1" dirty="0" smtClean="0"/>
               <a:t>Use the name of your Hub namespace</a:t>
             </a:r>
-            <a:endParaRPr lang="en-US" dirty="0" smtClean="0"/>
           </a:p>
           <a:p>
             <a:endParaRPr lang="en-US" dirty="0" smtClean="0"/>
@@ -6587,188 +7052,6 @@
     <p:extLst>
       <p:ext uri="{BB962C8B-B14F-4D97-AF65-F5344CB8AC3E}">
         <p14:creationId xmlns:p14="http://schemas.microsoft.com/office/powerpoint/2010/main" val="792998524"/>
-      </p:ext>
-    </p:extLst>
-  </p:cSld>
-  <p:clrMapOvr>
-    <a:masterClrMapping/>
-  </p:clrMapOvr>
-</p:sld>
-</file>
-
-<file path=ppt/slides/slide9.xml><?xml version="1.0" encoding="utf-8"?>
-<p:sld xmlns:a="http://schemas.openxmlformats.org/drawingml/2006/main" xmlns:r="http://schemas.openxmlformats.org/officeDocument/2006/relationships" xmlns:p="http://schemas.openxmlformats.org/presentationml/2006/main">
-  <p:cSld>
-    <p:spTree>
-      <p:nvGrpSpPr>
-        <p:cNvPr id="1" name=""/>
-        <p:cNvGrpSpPr/>
-        <p:nvPr/>
-      </p:nvGrpSpPr>
-      <p:grpSpPr>
-        <a:xfrm>
-          <a:off x="0" y="0"/>
-          <a:ext cx="0" cy="0"/>
-          <a:chOff x="0" y="0"/>
-          <a:chExt cx="0" cy="0"/>
-        </a:xfrm>
-      </p:grpSpPr>
-      <p:sp>
-        <p:nvSpPr>
-          <p:cNvPr id="2" name="Title 1"/>
-          <p:cNvSpPr>
-            <a:spLocks noGrp="1"/>
-          </p:cNvSpPr>
-          <p:nvPr>
-            <p:ph type="title"/>
-          </p:nvPr>
-        </p:nvSpPr>
-        <p:spPr/>
-        <p:txBody>
-          <a:bodyPr/>
-          <a:lstStyle/>
-          <a:p>
-            <a:r>
-              <a:rPr lang="en-US" dirty="0" smtClean="0"/>
-              <a:t>Task 3-2: Deploy UI Messaging Items</a:t>
-            </a:r>
-            <a:endParaRPr lang="en-US" dirty="0"/>
-          </a:p>
-        </p:txBody>
-      </p:sp>
-      <p:sp>
-        <p:nvSpPr>
-          <p:cNvPr id="3" name="Content Placeholder 2"/>
-          <p:cNvSpPr>
-            <a:spLocks noGrp="1"/>
-          </p:cNvSpPr>
-          <p:nvPr>
-            <p:ph idx="1"/>
-          </p:nvPr>
-        </p:nvSpPr>
-        <p:spPr/>
-        <p:txBody>
-          <a:bodyPr>
-            <a:normAutofit lnSpcReduction="10000"/>
-          </a:bodyPr>
-          <a:lstStyle/>
-          <a:p>
-            <a:r>
-              <a:rPr lang="en-US" dirty="0"/>
-              <a:t>ARM template: </a:t>
-            </a:r>
-            <a:r>
-              <a:rPr lang="en-US" dirty="0" err="1" smtClean="0"/>
-              <a:t>ArmScripts</a:t>
-            </a:r>
-            <a:r>
-              <a:rPr lang="en-US" dirty="0" smtClean="0"/>
-              <a:t>\Sprint3_UIMessagingItems.json</a:t>
-            </a:r>
-            <a:endParaRPr lang="en-US" dirty="0"/>
-          </a:p>
-          <a:p>
-            <a:pPr lvl="1"/>
-            <a:r>
-              <a:rPr lang="en-US" dirty="0"/>
-              <a:t>Use the name of your Hub namespace</a:t>
-            </a:r>
-          </a:p>
-          <a:p>
-            <a:endParaRPr lang="en-US" dirty="0" smtClean="0"/>
-          </a:p>
-          <a:p>
-            <a:r>
-              <a:rPr lang="en-US" dirty="0" smtClean="0"/>
-              <a:t>Share Access Policies</a:t>
-            </a:r>
-          </a:p>
-          <a:p>
-            <a:pPr lvl="1"/>
-            <a:r>
-              <a:rPr lang="en-US" dirty="0" err="1" smtClean="0"/>
-              <a:t>getRequest</a:t>
-            </a:r>
-            <a:r>
-              <a:rPr lang="en-US" dirty="0" smtClean="0"/>
-              <a:t> sender</a:t>
-            </a:r>
-          </a:p>
-          <a:p>
-            <a:pPr lvl="1"/>
-            <a:r>
-              <a:rPr lang="en-US" dirty="0" err="1" smtClean="0"/>
-              <a:t>requestAssigned</a:t>
-            </a:r>
-            <a:r>
-              <a:rPr lang="en-US" dirty="0" smtClean="0"/>
-              <a:t> listener</a:t>
-            </a:r>
-          </a:p>
-          <a:p>
-            <a:pPr lvl="1"/>
-            <a:r>
-              <a:rPr lang="en-US" dirty="0" err="1" smtClean="0"/>
-              <a:t>decidedRequests</a:t>
-            </a:r>
-            <a:r>
-              <a:rPr lang="en-US" dirty="0" smtClean="0"/>
-              <a:t> sender</a:t>
-            </a:r>
-          </a:p>
-          <a:p>
-            <a:endParaRPr lang="en-US" dirty="0" smtClean="0"/>
-          </a:p>
-          <a:p>
-            <a:r>
-              <a:rPr lang="en-US" dirty="0" smtClean="0"/>
-              <a:t>Consumer Groups</a:t>
-            </a:r>
-          </a:p>
-          <a:p>
-            <a:pPr lvl="1"/>
-            <a:r>
-              <a:rPr lang="en-US" dirty="0" err="1"/>
-              <a:t>requestAssigned</a:t>
-            </a:r>
-            <a:endParaRPr lang="en-US" dirty="0"/>
-          </a:p>
-        </p:txBody>
-      </p:sp>
-      <p:pic>
-        <p:nvPicPr>
-          <p:cNvPr id="4" name="Picture 3"/>
-          <p:cNvPicPr>
-            <a:picLocks noChangeAspect="1"/>
-          </p:cNvPicPr>
-          <p:nvPr/>
-        </p:nvPicPr>
-        <p:blipFill>
-          <a:blip r:embed="rId2" cstate="print">
-            <a:extLst>
-              <a:ext uri="{28A0092B-C50C-407E-A947-70E740481C1C}">
-                <a14:useLocalDpi xmlns:a14="http://schemas.microsoft.com/office/drawing/2010/main" val="0"/>
-              </a:ext>
-            </a:extLst>
-          </a:blip>
-          <a:stretch>
-            <a:fillRect/>
-          </a:stretch>
-        </p:blipFill>
-        <p:spPr>
-          <a:xfrm>
-            <a:off x="9135291" y="274630"/>
-            <a:ext cx="2455817" cy="1381224"/>
-          </a:xfrm>
-          <a:prstGeom prst="rect">
-            <a:avLst/>
-          </a:prstGeom>
-        </p:spPr>
-      </p:pic>
-    </p:spTree>
-    <p:extLst>
-      <p:ext uri="{BB962C8B-B14F-4D97-AF65-F5344CB8AC3E}">
-        <p14:creationId xmlns:p14="http://schemas.microsoft.com/office/powerpoint/2010/main" val="2855987682"/>
       </p:ext>
     </p:extLst>
   </p:cSld>

--- a/BusinessLogic/Docs/EdaWorkshop_Sprint3.pptx
+++ b/BusinessLogic/Docs/EdaWorkshop_Sprint3.pptx
@@ -12,13 +12,12 @@
     <p:sldId id="313" r:id="rId6"/>
     <p:sldId id="314" r:id="rId7"/>
     <p:sldId id="316" r:id="rId8"/>
-    <p:sldId id="320" r:id="rId9"/>
-    <p:sldId id="317" r:id="rId10"/>
-    <p:sldId id="318" r:id="rId11"/>
-    <p:sldId id="319" r:id="rId12"/>
-    <p:sldId id="311" r:id="rId13"/>
-    <p:sldId id="315" r:id="rId14"/>
-    <p:sldId id="312" r:id="rId15"/>
+    <p:sldId id="317" r:id="rId9"/>
+    <p:sldId id="318" r:id="rId10"/>
+    <p:sldId id="319" r:id="rId11"/>
+    <p:sldId id="311" r:id="rId12"/>
+    <p:sldId id="315" r:id="rId13"/>
+    <p:sldId id="312" r:id="rId14"/>
   </p:sldIdLst>
   <p:sldSz cx="12192000" cy="6858000"/>
   <p:notesSz cx="6858000" cy="9144000"/>
@@ -256,7 +255,7 @@
           <a:p>
             <a:fld id="{0B5D536D-AE8C-4EAC-8CEB-B18A64A144B4}" type="datetimeFigureOut">
               <a:rPr lang="en-US" smtClean="0"/>
-              <a:t>10/3/2021</a:t>
+              <a:t>10/4/2021</a:t>
             </a:fld>
             <a:endParaRPr lang="en-US"/>
           </a:p>
@@ -426,7 +425,7 @@
           <a:p>
             <a:fld id="{0B5D536D-AE8C-4EAC-8CEB-B18A64A144B4}" type="datetimeFigureOut">
               <a:rPr lang="en-US" smtClean="0"/>
-              <a:t>10/3/2021</a:t>
+              <a:t>10/4/2021</a:t>
             </a:fld>
             <a:endParaRPr lang="en-US"/>
           </a:p>
@@ -606,7 +605,7 @@
           <a:p>
             <a:fld id="{0B5D536D-AE8C-4EAC-8CEB-B18A64A144B4}" type="datetimeFigureOut">
               <a:rPr lang="en-US" smtClean="0"/>
-              <a:t>10/3/2021</a:t>
+              <a:t>10/4/2021</a:t>
             </a:fld>
             <a:endParaRPr lang="en-US"/>
           </a:p>
@@ -776,7 +775,7 @@
           <a:p>
             <a:fld id="{0B5D536D-AE8C-4EAC-8CEB-B18A64A144B4}" type="datetimeFigureOut">
               <a:rPr lang="en-US" smtClean="0"/>
-              <a:t>10/3/2021</a:t>
+              <a:t>10/4/2021</a:t>
             </a:fld>
             <a:endParaRPr lang="en-US"/>
           </a:p>
@@ -1022,7 +1021,7 @@
           <a:p>
             <a:fld id="{0B5D536D-AE8C-4EAC-8CEB-B18A64A144B4}" type="datetimeFigureOut">
               <a:rPr lang="en-US" smtClean="0"/>
-              <a:t>10/3/2021</a:t>
+              <a:t>10/4/2021</a:t>
             </a:fld>
             <a:endParaRPr lang="en-US"/>
           </a:p>
@@ -1254,7 +1253,7 @@
           <a:p>
             <a:fld id="{0B5D536D-AE8C-4EAC-8CEB-B18A64A144B4}" type="datetimeFigureOut">
               <a:rPr lang="en-US" smtClean="0"/>
-              <a:t>10/3/2021</a:t>
+              <a:t>10/4/2021</a:t>
             </a:fld>
             <a:endParaRPr lang="en-US"/>
           </a:p>
@@ -1621,7 +1620,7 @@
           <a:p>
             <a:fld id="{0B5D536D-AE8C-4EAC-8CEB-B18A64A144B4}" type="datetimeFigureOut">
               <a:rPr lang="en-US" smtClean="0"/>
-              <a:t>10/3/2021</a:t>
+              <a:t>10/4/2021</a:t>
             </a:fld>
             <a:endParaRPr lang="en-US"/>
           </a:p>
@@ -1739,7 +1738,7 @@
           <a:p>
             <a:fld id="{0B5D536D-AE8C-4EAC-8CEB-B18A64A144B4}" type="datetimeFigureOut">
               <a:rPr lang="en-US" smtClean="0"/>
-              <a:t>10/3/2021</a:t>
+              <a:t>10/4/2021</a:t>
             </a:fld>
             <a:endParaRPr lang="en-US"/>
           </a:p>
@@ -1834,7 +1833,7 @@
           <a:p>
             <a:fld id="{0B5D536D-AE8C-4EAC-8CEB-B18A64A144B4}" type="datetimeFigureOut">
               <a:rPr lang="en-US" smtClean="0"/>
-              <a:t>10/3/2021</a:t>
+              <a:t>10/4/2021</a:t>
             </a:fld>
             <a:endParaRPr lang="en-US"/>
           </a:p>
@@ -2111,7 +2110,7 @@
           <a:p>
             <a:fld id="{0B5D536D-AE8C-4EAC-8CEB-B18A64A144B4}" type="datetimeFigureOut">
               <a:rPr lang="en-US" smtClean="0"/>
-              <a:t>10/3/2021</a:t>
+              <a:t>10/4/2021</a:t>
             </a:fld>
             <a:endParaRPr lang="en-US"/>
           </a:p>
@@ -2364,7 +2363,7 @@
           <a:p>
             <a:fld id="{0B5D536D-AE8C-4EAC-8CEB-B18A64A144B4}" type="datetimeFigureOut">
               <a:rPr lang="en-US" smtClean="0"/>
-              <a:t>10/3/2021</a:t>
+              <a:t>10/4/2021</a:t>
             </a:fld>
             <a:endParaRPr lang="en-US"/>
           </a:p>
@@ -2577,7 +2576,7 @@
           <a:p>
             <a:fld id="{0B5D536D-AE8C-4EAC-8CEB-B18A64A144B4}" type="datetimeFigureOut">
               <a:rPr lang="en-US" smtClean="0"/>
-              <a:t>10/3/2021</a:t>
+              <a:t>10/4/2021</a:t>
             </a:fld>
             <a:endParaRPr lang="en-US"/>
           </a:p>
@@ -3046,203 +3045,6 @@
 </file>
 
 <file path=ppt/slides/slide10.xml><?xml version="1.0" encoding="utf-8"?>
-<p:sld xmlns:a="http://schemas.openxmlformats.org/drawingml/2006/main" xmlns:r="http://schemas.openxmlformats.org/officeDocument/2006/relationships" xmlns:p="http://schemas.openxmlformats.org/presentationml/2006/main">
-  <p:cSld>
-    <p:spTree>
-      <p:nvGrpSpPr>
-        <p:cNvPr id="1" name=""/>
-        <p:cNvGrpSpPr/>
-        <p:nvPr/>
-      </p:nvGrpSpPr>
-      <p:grpSpPr>
-        <a:xfrm>
-          <a:off x="0" y="0"/>
-          <a:ext cx="0" cy="0"/>
-          <a:chOff x="0" y="0"/>
-          <a:chExt cx="0" cy="0"/>
-        </a:xfrm>
-      </p:grpSpPr>
-      <p:sp>
-        <p:nvSpPr>
-          <p:cNvPr id="2" name="Title 1"/>
-          <p:cNvSpPr>
-            <a:spLocks noGrp="1"/>
-          </p:cNvSpPr>
-          <p:nvPr>
-            <p:ph type="title"/>
-          </p:nvPr>
-        </p:nvSpPr>
-        <p:spPr/>
-        <p:txBody>
-          <a:bodyPr/>
-          <a:lstStyle/>
-          <a:p>
-            <a:r>
-              <a:rPr lang="en-US" dirty="0" smtClean="0"/>
-              <a:t>Task 3-2: Deploy UI Messaging Items</a:t>
-            </a:r>
-            <a:endParaRPr lang="en-US" dirty="0"/>
-          </a:p>
-        </p:txBody>
-      </p:sp>
-      <p:sp>
-        <p:nvSpPr>
-          <p:cNvPr id="3" name="Content Placeholder 2"/>
-          <p:cNvSpPr>
-            <a:spLocks noGrp="1"/>
-          </p:cNvSpPr>
-          <p:nvPr>
-            <p:ph idx="1"/>
-          </p:nvPr>
-        </p:nvSpPr>
-        <p:spPr/>
-        <p:txBody>
-          <a:bodyPr>
-            <a:normAutofit fontScale="92500" lnSpcReduction="20000"/>
-          </a:bodyPr>
-          <a:lstStyle/>
-          <a:p>
-            <a:r>
-              <a:rPr lang="en-US" dirty="0" err="1" smtClean="0"/>
-              <a:t>BusinessLogic</a:t>
-            </a:r>
-            <a:r>
-              <a:rPr lang="en-US" dirty="0" smtClean="0"/>
-              <a:t>\Snippets\</a:t>
-            </a:r>
-            <a:r>
-              <a:rPr lang="en-US" dirty="0" err="1" smtClean="0"/>
-              <a:t>ArmScripts</a:t>
-            </a:r>
-            <a:r>
-              <a:rPr lang="en-US" dirty="0" smtClean="0"/>
-              <a:t>\Sprint3_2_UIMessagingItems.json</a:t>
-            </a:r>
-            <a:endParaRPr lang="en-US" dirty="0"/>
-          </a:p>
-          <a:p>
-            <a:pPr lvl="1"/>
-            <a:r>
-              <a:rPr lang="en-US" b="1" i="1" dirty="0"/>
-              <a:t>Use the name of your Hub namespace</a:t>
-            </a:r>
-          </a:p>
-          <a:p>
-            <a:endParaRPr lang="en-US" dirty="0" smtClean="0"/>
-          </a:p>
-          <a:p>
-            <a:r>
-              <a:rPr lang="en-US" dirty="0" smtClean="0"/>
-              <a:t>Share Access Policies</a:t>
-            </a:r>
-          </a:p>
-          <a:p>
-            <a:pPr lvl="1"/>
-            <a:r>
-              <a:rPr lang="en-US" dirty="0" err="1" smtClean="0"/>
-              <a:t>getRequest</a:t>
-            </a:r>
-            <a:r>
-              <a:rPr lang="en-US" dirty="0" smtClean="0"/>
-              <a:t> sender</a:t>
-            </a:r>
-          </a:p>
-          <a:p>
-            <a:pPr lvl="1"/>
-            <a:r>
-              <a:rPr lang="en-US" dirty="0" err="1" smtClean="0"/>
-              <a:t>requestAssigned</a:t>
-            </a:r>
-            <a:r>
-              <a:rPr lang="en-US" dirty="0" smtClean="0"/>
-              <a:t> listener</a:t>
-            </a:r>
-          </a:p>
-          <a:p>
-            <a:pPr lvl="1"/>
-            <a:r>
-              <a:rPr lang="en-US" dirty="0" err="1" smtClean="0"/>
-              <a:t>decidedRequests</a:t>
-            </a:r>
-            <a:r>
-              <a:rPr lang="en-US" dirty="0" smtClean="0"/>
-              <a:t> sender</a:t>
-            </a:r>
-          </a:p>
-          <a:p>
-            <a:endParaRPr lang="en-US" dirty="0" smtClean="0"/>
-          </a:p>
-          <a:p>
-            <a:r>
-              <a:rPr lang="en-US" dirty="0" smtClean="0"/>
-              <a:t>Consumer Groups</a:t>
-            </a:r>
-          </a:p>
-          <a:p>
-            <a:pPr lvl="1"/>
-            <a:r>
-              <a:rPr lang="en-US" dirty="0" err="1" smtClean="0"/>
-              <a:t>requestAssigned</a:t>
-            </a:r>
-            <a:endParaRPr lang="en-US" dirty="0" smtClean="0"/>
-          </a:p>
-          <a:p>
-            <a:pPr lvl="1"/>
-            <a:endParaRPr lang="en-US" dirty="0"/>
-          </a:p>
-          <a:p>
-            <a:r>
-              <a:rPr lang="en-US" dirty="0" smtClean="0"/>
-              <a:t>There are other items in this script, but may not use</a:t>
-            </a:r>
-            <a:endParaRPr lang="en-US" dirty="0"/>
-          </a:p>
-        </p:txBody>
-      </p:sp>
-      <p:pic>
-        <p:nvPicPr>
-          <p:cNvPr id="4" name="Picture 3"/>
-          <p:cNvPicPr>
-            <a:picLocks noChangeAspect="1"/>
-          </p:cNvPicPr>
-          <p:nvPr/>
-        </p:nvPicPr>
-        <p:blipFill>
-          <a:blip r:embed="rId2" cstate="print">
-            <a:extLst>
-              <a:ext uri="{28A0092B-C50C-407E-A947-70E740481C1C}">
-                <a14:useLocalDpi xmlns:a14="http://schemas.microsoft.com/office/drawing/2010/main" val="0"/>
-              </a:ext>
-            </a:extLst>
-          </a:blip>
-          <a:stretch>
-            <a:fillRect/>
-          </a:stretch>
-        </p:blipFill>
-        <p:spPr>
-          <a:xfrm>
-            <a:off x="9135291" y="274630"/>
-            <a:ext cx="2455817" cy="1381224"/>
-          </a:xfrm>
-          <a:prstGeom prst="rect">
-            <a:avLst/>
-          </a:prstGeom>
-        </p:spPr>
-      </p:pic>
-    </p:spTree>
-    <p:extLst>
-      <p:ext uri="{BB962C8B-B14F-4D97-AF65-F5344CB8AC3E}">
-        <p14:creationId xmlns:p14="http://schemas.microsoft.com/office/powerpoint/2010/main" val="2855987682"/>
-      </p:ext>
-    </p:extLst>
-  </p:cSld>
-  <p:clrMapOvr>
-    <a:masterClrMapping/>
-  </p:clrMapOvr>
-</p:sld>
-</file>
-
-<file path=ppt/slides/slide11.xml><?xml version="1.0" encoding="utf-8"?>
 <p:sld xmlns:a="http://schemas.openxmlformats.org/drawingml/2006/main" xmlns:r="http://schemas.openxmlformats.org/officeDocument/2006/relationships" xmlns:p="http://schemas.openxmlformats.org/presentationml/2006/main">
   <p:cSld>
     <p:spTree>
@@ -3749,7 +3551,7 @@
 </p:sld>
 </file>
 
-<file path=ppt/slides/slide12.xml><?xml version="1.0" encoding="utf-8"?>
+<file path=ppt/slides/slide11.xml><?xml version="1.0" encoding="utf-8"?>
 <p:sld xmlns:a="http://schemas.openxmlformats.org/drawingml/2006/main" xmlns:r="http://schemas.openxmlformats.org/officeDocument/2006/relationships" xmlns:p="http://schemas.openxmlformats.org/presentationml/2006/main">
   <p:cSld>
     <p:spTree>
@@ -3806,20 +3608,20 @@
         <p:spPr/>
         <p:txBody>
           <a:bodyPr>
-            <a:normAutofit lnSpcReduction="10000"/>
+            <a:normAutofit fontScale="85000" lnSpcReduction="20000"/>
           </a:bodyPr>
           <a:lstStyle/>
           <a:p>
             <a:r>
               <a:rPr lang="en-US" dirty="0" smtClean="0"/>
-              <a:t>Update connection strings in the service</a:t>
+              <a:t>Add project reference to Routing Service</a:t>
             </a:r>
           </a:p>
           <a:p>
             <a:pPr lvl="1"/>
             <a:r>
               <a:rPr lang="en-US" dirty="0" smtClean="0"/>
-              <a:t>Top of </a:t>
+              <a:t>Sprint3\</a:t>
             </a:r>
             <a:r>
               <a:rPr lang="en-US" dirty="0" err="1" smtClean="0"/>
@@ -3830,6 +3632,35 @@
               <a:t>\</a:t>
             </a:r>
             <a:r>
+              <a:rPr lang="en-US" dirty="0" err="1" smtClean="0"/>
+              <a:t>RoutingService.csproj</a:t>
+            </a:r>
+            <a:endParaRPr lang="en-US" dirty="0" smtClean="0"/>
+          </a:p>
+          <a:p>
+            <a:endParaRPr lang="en-US" dirty="0" smtClean="0"/>
+          </a:p>
+          <a:p>
+            <a:r>
+              <a:rPr lang="en-US" dirty="0" smtClean="0"/>
+              <a:t>Update connection strings in the service</a:t>
+            </a:r>
+          </a:p>
+          <a:p>
+            <a:pPr lvl="1"/>
+            <a:r>
+              <a:rPr lang="en-US" dirty="0" smtClean="0"/>
+              <a:t>Top of </a:t>
+            </a:r>
+            <a:r>
+              <a:rPr lang="en-US" dirty="0" err="1" smtClean="0"/>
+              <a:t>RoutingService</a:t>
+            </a:r>
+            <a:r>
+              <a:rPr lang="en-US" dirty="0" smtClean="0"/>
+              <a:t>\</a:t>
+            </a:r>
+            <a:r>
               <a:rPr lang="en-US" dirty="0" err="1"/>
               <a:t>P</a:t>
             </a:r>
@@ -3940,11 +3771,11 @@
             </a:r>
             <a:r>
               <a:rPr lang="en-US" i="1" dirty="0" smtClean="0"/>
-              <a:t>Shared</a:t>
-            </a:r>
-            <a:r>
-              <a:rPr lang="en-US" dirty="0" smtClean="0"/>
-              <a:t> to save money on features we don’t need for the workshop</a:t>
+              <a:t>B1</a:t>
+            </a:r>
+            <a:r>
+              <a:rPr lang="en-US" dirty="0" smtClean="0"/>
+              <a:t> to allow running service continuously</a:t>
             </a:r>
           </a:p>
           <a:p>
@@ -4019,7 +3850,7 @@
 </p:sld>
 </file>
 
-<file path=ppt/slides/slide13.xml><?xml version="1.0" encoding="utf-8"?>
+<file path=ppt/slides/slide12.xml><?xml version="1.0" encoding="utf-8"?>
 <p:sld xmlns:a="http://schemas.openxmlformats.org/drawingml/2006/main" xmlns:r="http://schemas.openxmlformats.org/officeDocument/2006/relationships" xmlns:p="http://schemas.openxmlformats.org/presentationml/2006/main">
   <p:cSld>
     <p:spTree>
@@ -4079,6 +3910,27 @@
             <a:normAutofit/>
           </a:bodyPr>
           <a:lstStyle/>
+          <a:p>
+            <a:r>
+              <a:rPr lang="en-US" dirty="0" smtClean="0"/>
+              <a:t>Add project reference to UI project</a:t>
+            </a:r>
+          </a:p>
+          <a:p>
+            <a:pPr lvl="1"/>
+            <a:r>
+              <a:rPr lang="en-US" dirty="0" smtClean="0"/>
+              <a:t>Sprint3\UI\</a:t>
+            </a:r>
+            <a:r>
+              <a:rPr lang="en-US" dirty="0" err="1" smtClean="0"/>
+              <a:t>UI.csproj</a:t>
+            </a:r>
+            <a:endParaRPr lang="en-US" dirty="0" smtClean="0"/>
+          </a:p>
+          <a:p>
+            <a:endParaRPr lang="en-US" dirty="0"/>
+          </a:p>
           <a:p>
             <a:r>
               <a:rPr lang="en-US" dirty="0" smtClean="0"/>
@@ -4155,7 +4007,7 @@
 </p:sld>
 </file>
 
-<file path=ppt/slides/slide14.xml><?xml version="1.0" encoding="utf-8"?>
+<file path=ppt/slides/slide13.xml><?xml version="1.0" encoding="utf-8"?>
 <p:sld xmlns:a="http://schemas.openxmlformats.org/drawingml/2006/main" xmlns:r="http://schemas.openxmlformats.org/officeDocument/2006/relationships" xmlns:p="http://schemas.openxmlformats.org/presentationml/2006/main">
   <p:cSld>
     <p:spTree>
@@ -4208,13 +4060,13 @@
         <p:spPr/>
         <p:txBody>
           <a:bodyPr>
-            <a:normAutofit/>
+            <a:normAutofit fontScale="77500" lnSpcReduction="20000"/>
           </a:bodyPr>
           <a:lstStyle/>
           <a:p>
             <a:r>
               <a:rPr lang="en-US" dirty="0" smtClean="0"/>
-              <a:t>When compared with Azure Functions, App Services are generally used for larger, heavier, and cohesive set of functionality, but comes with added cost and complexity</a:t>
+              <a:t>We have an end-to-end solution with no HTTP calls!</a:t>
             </a:r>
           </a:p>
           <a:p>
@@ -4223,7 +4075,50 @@
           <a:p>
             <a:r>
               <a:rPr lang="en-US" dirty="0" smtClean="0"/>
-              <a:t>ARM Templates can be used to create Azure resources</a:t>
+              <a:t>App </a:t>
+            </a:r>
+            <a:r>
+              <a:rPr lang="en-US" dirty="0" smtClean="0"/>
+              <a:t>Services are generally used for larger, heavier, and cohesive set of functionality </a:t>
+            </a:r>
+          </a:p>
+          <a:p>
+            <a:pPr lvl="1"/>
+            <a:r>
+              <a:rPr lang="en-US" dirty="0" smtClean="0"/>
+              <a:t>Generally, </a:t>
+            </a:r>
+            <a:r>
+              <a:rPr lang="en-US" dirty="0" smtClean="0"/>
+              <a:t>more expensive and complex to develop </a:t>
+            </a:r>
+            <a:r>
+              <a:rPr lang="en-US" dirty="0" smtClean="0"/>
+              <a:t>than Functions, but fewer limitations</a:t>
+            </a:r>
+          </a:p>
+          <a:p>
+            <a:pPr lvl="1"/>
+            <a:r>
+              <a:rPr lang="en-US" dirty="0" smtClean="0"/>
+              <a:t>Requires configuration, but even more scalable than Azure Functions</a:t>
+            </a:r>
+          </a:p>
+          <a:p>
+            <a:endParaRPr lang="en-US" dirty="0"/>
+          </a:p>
+          <a:p>
+            <a:r>
+              <a:rPr lang="en-US" dirty="0" smtClean="0"/>
+              <a:t>ARM Templates are a </a:t>
+            </a:r>
+            <a:r>
+              <a:rPr lang="en-US" dirty="0" err="1" smtClean="0"/>
+              <a:t>IaC</a:t>
+            </a:r>
+            <a:r>
+              <a:rPr lang="en-US" dirty="0" smtClean="0"/>
+              <a:t> technology to deploy Azure resources</a:t>
             </a:r>
           </a:p>
           <a:p>
@@ -4236,18 +4131,27 @@
             </a:r>
           </a:p>
           <a:p>
+            <a:pPr lvl="1"/>
+            <a:r>
+              <a:rPr lang="en-US" dirty="0" smtClean="0"/>
+              <a:t>Can be near-real time without limitations of synchronous communication</a:t>
+            </a:r>
+          </a:p>
+          <a:p>
+            <a:pPr lvl="1"/>
+            <a:r>
+              <a:rPr lang="en-US" dirty="0" smtClean="0"/>
+              <a:t>Processing responses requires a couple of different concerns</a:t>
+            </a:r>
+          </a:p>
+          <a:p>
             <a:endParaRPr lang="en-US" dirty="0"/>
           </a:p>
           <a:p>
             <a:r>
               <a:rPr lang="en-US" dirty="0" smtClean="0"/>
-              <a:t>Event Hubs can be used with a variety of </a:t>
-            </a:r>
-            <a:r>
-              <a:rPr lang="en-US" dirty="0" smtClean="0"/>
-              <a:t>technologies</a:t>
-            </a:r>
-            <a:endParaRPr lang="en-US" dirty="0" smtClean="0"/>
+              <a:t>Event Hubs can be used with a variety of technologies</a:t>
+            </a:r>
           </a:p>
         </p:txBody>
       </p:sp>
@@ -5875,7 +5779,7 @@
           <a:p>
             <a:r>
               <a:rPr lang="en-US" dirty="0" smtClean="0"/>
-              <a:t>How to host this functionality?</a:t>
+              <a:t>How should we host this functionality?</a:t>
             </a:r>
           </a:p>
           <a:p>
@@ -6536,7 +6440,7 @@
             </a:r>
             <a:r>
               <a:rPr lang="en-US" dirty="0" smtClean="0"/>
-              <a:t> to consolidate technologies for the workshop</a:t>
+              <a:t> for simple UI and to consolidate technologies.</a:t>
             </a:r>
           </a:p>
           <a:p>
@@ -6626,7 +6530,7 @@
             <a:pPr lvl="1"/>
             <a:r>
               <a:rPr lang="en-US" dirty="0" smtClean="0"/>
-              <a:t>Needs some configuration updates as defined in following tasks</a:t>
+              <a:t>Needs configuration updates as defined in following tasks</a:t>
             </a:r>
           </a:p>
           <a:p>
@@ -6640,8 +6544,35 @@
             </a:r>
             <a:r>
               <a:rPr lang="en-US" dirty="0" smtClean="0"/>
-              <a:t>se Azure Resource Manager (ARM) templates to generate the new event hubs, shared access policies, and BLOB containers for hub offsets</a:t>
-            </a:r>
+              <a:t>se Azure Resource Manager (ARM) templates to generate the new Azure resources</a:t>
+            </a:r>
+          </a:p>
+          <a:p>
+            <a:pPr lvl="1"/>
+            <a:r>
+              <a:rPr lang="en-US" dirty="0" smtClean="0"/>
+              <a:t>Infrastructure as Code (</a:t>
+            </a:r>
+            <a:r>
+              <a:rPr lang="en-US" dirty="0" err="1" smtClean="0"/>
+              <a:t>IaC</a:t>
+            </a:r>
+            <a:r>
+              <a:rPr lang="en-US" dirty="0" smtClean="0"/>
+              <a:t>) technology</a:t>
+            </a:r>
+          </a:p>
+          <a:p>
+            <a:pPr lvl="1"/>
+            <a:r>
+              <a:rPr lang="en-US" dirty="0" smtClean="0"/>
+              <a:t>Allows deploying resources quickly and </a:t>
+            </a:r>
+            <a:r>
+              <a:rPr lang="en-US" dirty="0" err="1" smtClean="0"/>
+              <a:t>consistenly</a:t>
+            </a:r>
+            <a:endParaRPr lang="en-US" dirty="0" smtClean="0"/>
           </a:p>
           <a:p>
             <a:endParaRPr lang="en-US" dirty="0" smtClean="0"/>
@@ -6672,148 +6603,6 @@
 </file>
 
 <file path=ppt/slides/slide8.xml><?xml version="1.0" encoding="utf-8"?>
-<p:sld xmlns:a="http://schemas.openxmlformats.org/drawingml/2006/main" xmlns:r="http://schemas.openxmlformats.org/officeDocument/2006/relationships" xmlns:p="http://schemas.openxmlformats.org/presentationml/2006/main">
-  <p:cSld>
-    <p:spTree>
-      <p:nvGrpSpPr>
-        <p:cNvPr id="1" name=""/>
-        <p:cNvGrpSpPr/>
-        <p:nvPr/>
-      </p:nvGrpSpPr>
-      <p:grpSpPr>
-        <a:xfrm>
-          <a:off x="0" y="0"/>
-          <a:ext cx="0" cy="0"/>
-          <a:chOff x="0" y="0"/>
-          <a:chExt cx="0" cy="0"/>
-        </a:xfrm>
-      </p:grpSpPr>
-      <p:sp>
-        <p:nvSpPr>
-          <p:cNvPr id="2" name="Title 1"/>
-          <p:cNvSpPr>
-            <a:spLocks noGrp="1"/>
-          </p:cNvSpPr>
-          <p:nvPr>
-            <p:ph type="title"/>
-          </p:nvPr>
-        </p:nvSpPr>
-        <p:spPr/>
-        <p:txBody>
-          <a:bodyPr/>
-          <a:lstStyle/>
-          <a:p>
-            <a:r>
-              <a:rPr lang="en-US" dirty="0" smtClean="0"/>
-              <a:t>Azure Resource Manager (ARM)</a:t>
-            </a:r>
-            <a:endParaRPr lang="en-US" dirty="0"/>
-          </a:p>
-        </p:txBody>
-      </p:sp>
-      <p:sp>
-        <p:nvSpPr>
-          <p:cNvPr id="3" name="Content Placeholder 2"/>
-          <p:cNvSpPr>
-            <a:spLocks noGrp="1"/>
-          </p:cNvSpPr>
-          <p:nvPr>
-            <p:ph idx="1"/>
-          </p:nvPr>
-        </p:nvSpPr>
-        <p:spPr/>
-        <p:txBody>
-          <a:bodyPr/>
-          <a:lstStyle/>
-          <a:p>
-            <a:r>
-              <a:rPr lang="en-US" dirty="0" smtClean="0"/>
-              <a:t>Management layer that enables creating, updating, and deleting Azure resources</a:t>
-            </a:r>
-          </a:p>
-          <a:p>
-            <a:endParaRPr lang="en-US" dirty="0"/>
-          </a:p>
-          <a:p>
-            <a:r>
-              <a:rPr lang="en-US" dirty="0" smtClean="0"/>
-              <a:t>We’ve been using directly via the Portal</a:t>
-            </a:r>
-          </a:p>
-          <a:p>
-            <a:endParaRPr lang="en-US" dirty="0"/>
-          </a:p>
-          <a:p>
-            <a:r>
-              <a:rPr lang="en-US" dirty="0" smtClean="0"/>
-              <a:t>Now we’re going to use ARM </a:t>
-            </a:r>
-          </a:p>
-          <a:p>
-            <a:pPr marL="0" indent="0">
-              <a:buNone/>
-            </a:pPr>
-            <a:r>
-              <a:rPr lang="en-US" dirty="0" smtClean="0"/>
-              <a:t>Templates to create new resources</a:t>
-            </a:r>
-          </a:p>
-          <a:p>
-            <a:pPr lvl="1"/>
-            <a:r>
-              <a:rPr lang="en-US" dirty="0" smtClean="0"/>
-              <a:t>Infrastructure as Code (</a:t>
-            </a:r>
-            <a:r>
-              <a:rPr lang="en-US" dirty="0" err="1" smtClean="0"/>
-              <a:t>IaC</a:t>
-            </a:r>
-            <a:r>
-              <a:rPr lang="en-US" dirty="0" smtClean="0"/>
-              <a:t>)</a:t>
-            </a:r>
-            <a:endParaRPr lang="en-US" dirty="0"/>
-          </a:p>
-        </p:txBody>
-      </p:sp>
-      <p:pic>
-        <p:nvPicPr>
-          <p:cNvPr id="5" name="Picture 4"/>
-          <p:cNvPicPr>
-            <a:picLocks noChangeAspect="1"/>
-          </p:cNvPicPr>
-          <p:nvPr/>
-        </p:nvPicPr>
-        <p:blipFill>
-          <a:blip r:embed="rId2"/>
-          <a:stretch>
-            <a:fillRect/>
-          </a:stretch>
-        </p:blipFill>
-        <p:spPr>
-          <a:xfrm>
-            <a:off x="6648450" y="3612162"/>
-            <a:ext cx="4705350" cy="2564801"/>
-          </a:xfrm>
-          <a:prstGeom prst="rect">
-            <a:avLst/>
-          </a:prstGeom>
-        </p:spPr>
-      </p:pic>
-    </p:spTree>
-    <p:extLst>
-      <p:ext uri="{BB962C8B-B14F-4D97-AF65-F5344CB8AC3E}">
-        <p14:creationId xmlns:p14="http://schemas.microsoft.com/office/powerpoint/2010/main" val="2816740387"/>
-      </p:ext>
-    </p:extLst>
-  </p:cSld>
-  <p:clrMapOvr>
-    <a:masterClrMapping/>
-  </p:clrMapOvr>
-</p:sld>
-</file>
-
-<file path=ppt/slides/slide9.xml><?xml version="1.0" encoding="utf-8"?>
 <p:sld xmlns:a="http://schemas.openxmlformats.org/drawingml/2006/main" xmlns:r="http://schemas.openxmlformats.org/officeDocument/2006/relationships" xmlns:p="http://schemas.openxmlformats.org/presentationml/2006/main">
   <p:cSld>
     <p:spTree>
@@ -7052,6 +6841,203 @@
     <p:extLst>
       <p:ext uri="{BB962C8B-B14F-4D97-AF65-F5344CB8AC3E}">
         <p14:creationId xmlns:p14="http://schemas.microsoft.com/office/powerpoint/2010/main" val="792998524"/>
+      </p:ext>
+    </p:extLst>
+  </p:cSld>
+  <p:clrMapOvr>
+    <a:masterClrMapping/>
+  </p:clrMapOvr>
+</p:sld>
+</file>
+
+<file path=ppt/slides/slide9.xml><?xml version="1.0" encoding="utf-8"?>
+<p:sld xmlns:a="http://schemas.openxmlformats.org/drawingml/2006/main" xmlns:r="http://schemas.openxmlformats.org/officeDocument/2006/relationships" xmlns:p="http://schemas.openxmlformats.org/presentationml/2006/main">
+  <p:cSld>
+    <p:spTree>
+      <p:nvGrpSpPr>
+        <p:cNvPr id="1" name=""/>
+        <p:cNvGrpSpPr/>
+        <p:nvPr/>
+      </p:nvGrpSpPr>
+      <p:grpSpPr>
+        <a:xfrm>
+          <a:off x="0" y="0"/>
+          <a:ext cx="0" cy="0"/>
+          <a:chOff x="0" y="0"/>
+          <a:chExt cx="0" cy="0"/>
+        </a:xfrm>
+      </p:grpSpPr>
+      <p:sp>
+        <p:nvSpPr>
+          <p:cNvPr id="2" name="Title 1"/>
+          <p:cNvSpPr>
+            <a:spLocks noGrp="1"/>
+          </p:cNvSpPr>
+          <p:nvPr>
+            <p:ph type="title"/>
+          </p:nvPr>
+        </p:nvSpPr>
+        <p:spPr/>
+        <p:txBody>
+          <a:bodyPr/>
+          <a:lstStyle/>
+          <a:p>
+            <a:r>
+              <a:rPr lang="en-US" dirty="0" smtClean="0"/>
+              <a:t>Task 3-2: Deploy UI Messaging Items</a:t>
+            </a:r>
+            <a:endParaRPr lang="en-US" dirty="0"/>
+          </a:p>
+        </p:txBody>
+      </p:sp>
+      <p:sp>
+        <p:nvSpPr>
+          <p:cNvPr id="3" name="Content Placeholder 2"/>
+          <p:cNvSpPr>
+            <a:spLocks noGrp="1"/>
+          </p:cNvSpPr>
+          <p:nvPr>
+            <p:ph idx="1"/>
+          </p:nvPr>
+        </p:nvSpPr>
+        <p:spPr/>
+        <p:txBody>
+          <a:bodyPr>
+            <a:normAutofit fontScale="92500" lnSpcReduction="20000"/>
+          </a:bodyPr>
+          <a:lstStyle/>
+          <a:p>
+            <a:r>
+              <a:rPr lang="en-US" dirty="0" err="1" smtClean="0"/>
+              <a:t>BusinessLogic</a:t>
+            </a:r>
+            <a:r>
+              <a:rPr lang="en-US" dirty="0" smtClean="0"/>
+              <a:t>\Snippets\</a:t>
+            </a:r>
+            <a:r>
+              <a:rPr lang="en-US" dirty="0" err="1" smtClean="0"/>
+              <a:t>ArmScripts</a:t>
+            </a:r>
+            <a:r>
+              <a:rPr lang="en-US" dirty="0" smtClean="0"/>
+              <a:t>\Sprint3_2_UIMessagingItems.json</a:t>
+            </a:r>
+            <a:endParaRPr lang="en-US" dirty="0"/>
+          </a:p>
+          <a:p>
+            <a:pPr lvl="1"/>
+            <a:r>
+              <a:rPr lang="en-US" b="1" i="1" dirty="0"/>
+              <a:t>Use the name of your Hub namespace</a:t>
+            </a:r>
+          </a:p>
+          <a:p>
+            <a:endParaRPr lang="en-US" dirty="0" smtClean="0"/>
+          </a:p>
+          <a:p>
+            <a:r>
+              <a:rPr lang="en-US" dirty="0" smtClean="0"/>
+              <a:t>Share Access Policies</a:t>
+            </a:r>
+          </a:p>
+          <a:p>
+            <a:pPr lvl="1"/>
+            <a:r>
+              <a:rPr lang="en-US" dirty="0" err="1" smtClean="0"/>
+              <a:t>getRequest</a:t>
+            </a:r>
+            <a:r>
+              <a:rPr lang="en-US" dirty="0" smtClean="0"/>
+              <a:t> sender</a:t>
+            </a:r>
+          </a:p>
+          <a:p>
+            <a:pPr lvl="1"/>
+            <a:r>
+              <a:rPr lang="en-US" dirty="0" err="1" smtClean="0"/>
+              <a:t>requestAssigned</a:t>
+            </a:r>
+            <a:r>
+              <a:rPr lang="en-US" dirty="0" smtClean="0"/>
+              <a:t> listener</a:t>
+            </a:r>
+          </a:p>
+          <a:p>
+            <a:pPr lvl="1"/>
+            <a:r>
+              <a:rPr lang="en-US" dirty="0" err="1" smtClean="0"/>
+              <a:t>decidedRequests</a:t>
+            </a:r>
+            <a:r>
+              <a:rPr lang="en-US" dirty="0" smtClean="0"/>
+              <a:t> sender</a:t>
+            </a:r>
+          </a:p>
+          <a:p>
+            <a:endParaRPr lang="en-US" dirty="0" smtClean="0"/>
+          </a:p>
+          <a:p>
+            <a:r>
+              <a:rPr lang="en-US" dirty="0" smtClean="0"/>
+              <a:t>Consumer Groups</a:t>
+            </a:r>
+          </a:p>
+          <a:p>
+            <a:pPr lvl="1"/>
+            <a:r>
+              <a:rPr lang="en-US" dirty="0" err="1" smtClean="0"/>
+              <a:t>requestAssigned</a:t>
+            </a:r>
+            <a:endParaRPr lang="en-US" dirty="0" smtClean="0"/>
+          </a:p>
+          <a:p>
+            <a:pPr lvl="1"/>
+            <a:endParaRPr lang="en-US" dirty="0"/>
+          </a:p>
+          <a:p>
+            <a:r>
+              <a:rPr lang="en-US" dirty="0" smtClean="0"/>
+              <a:t>There are other items in this script, but may not use</a:t>
+            </a:r>
+            <a:endParaRPr lang="en-US" dirty="0"/>
+          </a:p>
+        </p:txBody>
+      </p:sp>
+      <p:pic>
+        <p:nvPicPr>
+          <p:cNvPr id="4" name="Picture 3"/>
+          <p:cNvPicPr>
+            <a:picLocks noChangeAspect="1"/>
+          </p:cNvPicPr>
+          <p:nvPr/>
+        </p:nvPicPr>
+        <p:blipFill>
+          <a:blip r:embed="rId2" cstate="print">
+            <a:extLst>
+              <a:ext uri="{28A0092B-C50C-407E-A947-70E740481C1C}">
+                <a14:useLocalDpi xmlns:a14="http://schemas.microsoft.com/office/drawing/2010/main" val="0"/>
+              </a:ext>
+            </a:extLst>
+          </a:blip>
+          <a:stretch>
+            <a:fillRect/>
+          </a:stretch>
+        </p:blipFill>
+        <p:spPr>
+          <a:xfrm>
+            <a:off x="9135291" y="274630"/>
+            <a:ext cx="2455817" cy="1381224"/>
+          </a:xfrm>
+          <a:prstGeom prst="rect">
+            <a:avLst/>
+          </a:prstGeom>
+        </p:spPr>
+      </p:pic>
+    </p:spTree>
+    <p:extLst>
+      <p:ext uri="{BB962C8B-B14F-4D97-AF65-F5344CB8AC3E}">
+        <p14:creationId xmlns:p14="http://schemas.microsoft.com/office/powerpoint/2010/main" val="2855987682"/>
       </p:ext>
     </p:extLst>
   </p:cSld>
